--- a/2차프로젝트/01.분석설계/NEXIS 가이드.pptx
+++ b/2차프로젝트/01.분석설계/NEXIS 가이드.pptx
@@ -12,9 +12,10 @@
     <p:sldId id="264" r:id="rId6"/>
     <p:sldId id="266" r:id="rId7"/>
     <p:sldId id="272" r:id="rId8"/>
-    <p:sldId id="273" r:id="rId9"/>
-    <p:sldId id="274" r:id="rId10"/>
-    <p:sldId id="269" r:id="rId11"/>
+    <p:sldId id="275" r:id="rId9"/>
+    <p:sldId id="273" r:id="rId10"/>
+    <p:sldId id="274" r:id="rId11"/>
+    <p:sldId id="269" r:id="rId12"/>
   </p:sldIdLst>
   <p:sldSz cx="12192000" cy="6858000"/>
   <p:notesSz cx="6858000" cy="9144000"/>
@@ -252,7 +253,7 @@
           <a:p>
             <a:fld id="{4D654DD4-0B86-4A8F-88C7-62F948CF0E51}" type="datetimeFigureOut">
               <a:rPr lang="ko-KR" altLang="en-US" smtClean="0"/>
-              <a:t>2024-01-08</a:t>
+              <a:t>2024-01-09</a:t>
             </a:fld>
             <a:endParaRPr lang="ko-KR" altLang="en-US"/>
           </a:p>
@@ -422,7 +423,7 @@
           <a:p>
             <a:fld id="{4D654DD4-0B86-4A8F-88C7-62F948CF0E51}" type="datetimeFigureOut">
               <a:rPr lang="ko-KR" altLang="en-US" smtClean="0"/>
-              <a:t>2024-01-08</a:t>
+              <a:t>2024-01-09</a:t>
             </a:fld>
             <a:endParaRPr lang="ko-KR" altLang="en-US"/>
           </a:p>
@@ -602,7 +603,7 @@
           <a:p>
             <a:fld id="{4D654DD4-0B86-4A8F-88C7-62F948CF0E51}" type="datetimeFigureOut">
               <a:rPr lang="ko-KR" altLang="en-US" smtClean="0"/>
-              <a:t>2024-01-08</a:t>
+              <a:t>2024-01-09</a:t>
             </a:fld>
             <a:endParaRPr lang="ko-KR" altLang="en-US"/>
           </a:p>
@@ -772,7 +773,7 @@
           <a:p>
             <a:fld id="{4D654DD4-0B86-4A8F-88C7-62F948CF0E51}" type="datetimeFigureOut">
               <a:rPr lang="ko-KR" altLang="en-US" smtClean="0"/>
-              <a:t>2024-01-08</a:t>
+              <a:t>2024-01-09</a:t>
             </a:fld>
             <a:endParaRPr lang="ko-KR" altLang="en-US"/>
           </a:p>
@@ -1018,7 +1019,7 @@
           <a:p>
             <a:fld id="{4D654DD4-0B86-4A8F-88C7-62F948CF0E51}" type="datetimeFigureOut">
               <a:rPr lang="ko-KR" altLang="en-US" smtClean="0"/>
-              <a:t>2024-01-08</a:t>
+              <a:t>2024-01-09</a:t>
             </a:fld>
             <a:endParaRPr lang="ko-KR" altLang="en-US"/>
           </a:p>
@@ -1250,7 +1251,7 @@
           <a:p>
             <a:fld id="{4D654DD4-0B86-4A8F-88C7-62F948CF0E51}" type="datetimeFigureOut">
               <a:rPr lang="ko-KR" altLang="en-US" smtClean="0"/>
-              <a:t>2024-01-08</a:t>
+              <a:t>2024-01-09</a:t>
             </a:fld>
             <a:endParaRPr lang="ko-KR" altLang="en-US"/>
           </a:p>
@@ -1617,7 +1618,7 @@
           <a:p>
             <a:fld id="{4D654DD4-0B86-4A8F-88C7-62F948CF0E51}" type="datetimeFigureOut">
               <a:rPr lang="ko-KR" altLang="en-US" smtClean="0"/>
-              <a:t>2024-01-08</a:t>
+              <a:t>2024-01-09</a:t>
             </a:fld>
             <a:endParaRPr lang="ko-KR" altLang="en-US"/>
           </a:p>
@@ -1735,7 +1736,7 @@
           <a:p>
             <a:fld id="{4D654DD4-0B86-4A8F-88C7-62F948CF0E51}" type="datetimeFigureOut">
               <a:rPr lang="ko-KR" altLang="en-US" smtClean="0"/>
-              <a:t>2024-01-08</a:t>
+              <a:t>2024-01-09</a:t>
             </a:fld>
             <a:endParaRPr lang="ko-KR" altLang="en-US"/>
           </a:p>
@@ -1830,7 +1831,7 @@
           <a:p>
             <a:fld id="{4D654DD4-0B86-4A8F-88C7-62F948CF0E51}" type="datetimeFigureOut">
               <a:rPr lang="ko-KR" altLang="en-US" smtClean="0"/>
-              <a:t>2024-01-08</a:t>
+              <a:t>2024-01-09</a:t>
             </a:fld>
             <a:endParaRPr lang="ko-KR" altLang="en-US"/>
           </a:p>
@@ -2107,7 +2108,7 @@
           <a:p>
             <a:fld id="{4D654DD4-0B86-4A8F-88C7-62F948CF0E51}" type="datetimeFigureOut">
               <a:rPr lang="ko-KR" altLang="en-US" smtClean="0"/>
-              <a:t>2024-01-08</a:t>
+              <a:t>2024-01-09</a:t>
             </a:fld>
             <a:endParaRPr lang="ko-KR" altLang="en-US"/>
           </a:p>
@@ -2360,7 +2361,7 @@
           <a:p>
             <a:fld id="{4D654DD4-0B86-4A8F-88C7-62F948CF0E51}" type="datetimeFigureOut">
               <a:rPr lang="ko-KR" altLang="en-US" smtClean="0"/>
-              <a:t>2024-01-08</a:t>
+              <a:t>2024-01-09</a:t>
             </a:fld>
             <a:endParaRPr lang="ko-KR" altLang="en-US"/>
           </a:p>
@@ -2573,7 +2574,7 @@
           <a:p>
             <a:fld id="{4D654DD4-0B86-4A8F-88C7-62F948CF0E51}" type="datetimeFigureOut">
               <a:rPr lang="ko-KR" altLang="en-US" smtClean="0"/>
-              <a:t>2024-01-08</a:t>
+              <a:t>2024-01-09</a:t>
             </a:fld>
             <a:endParaRPr lang="ko-KR" altLang="en-US"/>
           </a:p>
@@ -3233,6 +3234,305 @@
         </p:nvSpPr>
         <p:spPr>
           <a:xfrm>
+            <a:off x="282632" y="164334"/>
+            <a:ext cx="8503921" cy="600437"/>
+          </a:xfrm>
+        </p:spPr>
+        <p:txBody>
+          <a:bodyPr>
+            <a:normAutofit/>
+          </a:bodyPr>
+          <a:lstStyle/>
+          <a:p>
+            <a:r>
+              <a:rPr lang="en-US" altLang="ko-KR" sz="2400" dirty="0" smtClean="0">
+                <a:solidFill>
+                  <a:schemeClr val="bg1"/>
+                </a:solidFill>
+              </a:rPr>
+              <a:t>03. </a:t>
+            </a:r>
+            <a:r>
+              <a:rPr lang="ko-KR" altLang="en-US" sz="2400" dirty="0" smtClean="0">
+                <a:solidFill>
+                  <a:schemeClr val="bg1"/>
+                </a:solidFill>
+              </a:rPr>
+              <a:t>사이트 구현 </a:t>
+            </a:r>
+            <a:r>
+              <a:rPr lang="en-US" altLang="ko-KR" sz="2400" dirty="0" smtClean="0">
+                <a:solidFill>
+                  <a:schemeClr val="bg1"/>
+                </a:solidFill>
+              </a:rPr>
+              <a:t>– </a:t>
+            </a:r>
+            <a:r>
+              <a:rPr lang="ko-KR" altLang="en-US" sz="2400" dirty="0" smtClean="0">
+                <a:solidFill>
+                  <a:schemeClr val="bg1"/>
+                </a:solidFill>
+              </a:rPr>
+              <a:t>추가 구현 예정 </a:t>
+            </a:r>
+            <a:r>
+              <a:rPr lang="en-US" altLang="ko-KR" sz="2400" dirty="0" smtClean="0">
+                <a:solidFill>
+                  <a:schemeClr val="bg1"/>
+                </a:solidFill>
+              </a:rPr>
+              <a:t>– </a:t>
+            </a:r>
+            <a:r>
+              <a:rPr lang="ko-KR" altLang="en-US" sz="2400" dirty="0" smtClean="0">
+                <a:solidFill>
+                  <a:schemeClr val="bg1"/>
+                </a:solidFill>
+              </a:rPr>
+              <a:t>게시판 및 </a:t>
+            </a:r>
+            <a:r>
+              <a:rPr lang="ko-KR" altLang="en-US" sz="2400" dirty="0" err="1" smtClean="0">
+                <a:solidFill>
+                  <a:schemeClr val="bg1"/>
+                </a:solidFill>
+              </a:rPr>
+              <a:t>미디어쿼리</a:t>
+            </a:r>
+            <a:endParaRPr lang="ko-KR" altLang="en-US" sz="2400" dirty="0">
+              <a:solidFill>
+                <a:schemeClr val="bg1"/>
+              </a:solidFill>
+            </a:endParaRPr>
+          </a:p>
+        </p:txBody>
+      </p:sp>
+      <p:pic>
+        <p:nvPicPr>
+          <p:cNvPr id="7" name="그림 6"/>
+          <p:cNvPicPr>
+            <a:picLocks noChangeAspect="1"/>
+          </p:cNvPicPr>
+          <p:nvPr/>
+        </p:nvPicPr>
+        <p:blipFill>
+          <a:blip r:embed="rId3"/>
+          <a:stretch>
+            <a:fillRect/>
+          </a:stretch>
+        </p:blipFill>
+        <p:spPr>
+          <a:xfrm>
+            <a:off x="232758" y="1081387"/>
+            <a:ext cx="5004262" cy="4478915"/>
+          </a:xfrm>
+          <a:prstGeom prst="rect">
+            <a:avLst/>
+          </a:prstGeom>
+        </p:spPr>
+      </p:pic>
+      <p:sp>
+        <p:nvSpPr>
+          <p:cNvPr id="13" name="제목 2"/>
+          <p:cNvSpPr txBox="1">
+            <a:spLocks/>
+          </p:cNvSpPr>
+          <p:nvPr/>
+        </p:nvSpPr>
+        <p:spPr>
+          <a:xfrm>
+            <a:off x="6611391" y="3629191"/>
+            <a:ext cx="3524596" cy="1258693"/>
+          </a:xfrm>
+          <a:prstGeom prst="rect">
+            <a:avLst/>
+          </a:prstGeom>
+          <a:ln>
+            <a:solidFill>
+              <a:schemeClr val="bg1"/>
+            </a:solidFill>
+          </a:ln>
+        </p:spPr>
+        <p:txBody>
+          <a:bodyPr vert="horz" lIns="91440" tIns="45720" rIns="91440" bIns="45720" rtlCol="0" anchor="ctr">
+            <a:normAutofit/>
+          </a:bodyPr>
+          <a:lstStyle>
+            <a:lvl1pPr algn="l" defTabSz="914400" rtl="0" eaLnBrk="1" latinLnBrk="1" hangingPunct="1">
+              <a:lnSpc>
+                <a:spcPct val="90000"/>
+              </a:lnSpc>
+              <a:spcBef>
+                <a:spcPct val="0"/>
+              </a:spcBef>
+              <a:buNone/>
+              <a:defRPr sz="4400" kern="1200">
+                <a:solidFill>
+                  <a:schemeClr val="tx1"/>
+                </a:solidFill>
+                <a:latin typeface="+mj-lt"/>
+                <a:ea typeface="+mj-ea"/>
+                <a:cs typeface="+mj-cs"/>
+              </a:defRPr>
+            </a:lvl1pPr>
+          </a:lstStyle>
+          <a:p>
+            <a:r>
+              <a:rPr lang="ko-KR" altLang="en-US" sz="1400" dirty="0" smtClean="0">
+                <a:solidFill>
+                  <a:schemeClr val="bg1"/>
+                </a:solidFill>
+              </a:rPr>
+              <a:t>문의사항 작성시 게시판에 자동 글 작성 및 답변 유무 확인 가능</a:t>
+            </a:r>
+            <a:endParaRPr lang="ko-KR" altLang="en-US" sz="1400" dirty="0">
+              <a:solidFill>
+                <a:schemeClr val="bg1"/>
+              </a:solidFill>
+            </a:endParaRPr>
+          </a:p>
+        </p:txBody>
+      </p:sp>
+      <p:cxnSp>
+        <p:nvCxnSpPr>
+          <p:cNvPr id="5" name="직선 화살표 연결선 4"/>
+          <p:cNvCxnSpPr/>
+          <p:nvPr/>
+        </p:nvCxnSpPr>
+        <p:spPr>
+          <a:xfrm flipV="1">
+            <a:off x="2128058" y="4638502"/>
+            <a:ext cx="3790604" cy="74815"/>
+          </a:xfrm>
+          <a:prstGeom prst="straightConnector1">
+            <a:avLst/>
+          </a:prstGeom>
+          <a:ln>
+            <a:solidFill>
+              <a:srgbClr val="BD1414"/>
+            </a:solidFill>
+            <a:tailEnd type="triangle"/>
+          </a:ln>
+        </p:spPr>
+        <p:style>
+          <a:lnRef idx="1">
+            <a:schemeClr val="accent1"/>
+          </a:lnRef>
+          <a:fillRef idx="0">
+            <a:schemeClr val="accent1"/>
+          </a:fillRef>
+          <a:effectRef idx="0">
+            <a:schemeClr val="accent1"/>
+          </a:effectRef>
+          <a:fontRef idx="minor">
+            <a:schemeClr val="tx1"/>
+          </a:fontRef>
+        </p:style>
+      </p:cxnSp>
+      <p:pic>
+        <p:nvPicPr>
+          <p:cNvPr id="9" name="그림 8"/>
+          <p:cNvPicPr>
+            <a:picLocks noChangeAspect="1"/>
+          </p:cNvPicPr>
+          <p:nvPr/>
+        </p:nvPicPr>
+        <p:blipFill>
+          <a:blip r:embed="rId4"/>
+          <a:stretch>
+            <a:fillRect/>
+          </a:stretch>
+        </p:blipFill>
+        <p:spPr>
+          <a:xfrm>
+            <a:off x="6003532" y="1496290"/>
+            <a:ext cx="4934276" cy="1646613"/>
+          </a:xfrm>
+          <a:prstGeom prst="rect">
+            <a:avLst/>
+          </a:prstGeom>
+        </p:spPr>
+      </p:pic>
+    </p:spTree>
+    <p:extLst>
+      <p:ext uri="{BB962C8B-B14F-4D97-AF65-F5344CB8AC3E}">
+        <p14:creationId xmlns:p14="http://schemas.microsoft.com/office/powerpoint/2010/main" val="1343922484"/>
+      </p:ext>
+    </p:extLst>
+  </p:cSld>
+  <p:clrMapOvr>
+    <a:masterClrMapping/>
+  </p:clrMapOvr>
+  <p:timing>
+    <p:tnLst>
+      <p:par>
+        <p:cTn id="1" dur="indefinite" restart="never" nodeType="tmRoot"/>
+      </p:par>
+    </p:tnLst>
+  </p:timing>
+</p:sld>
+</file>
+
+<file path=ppt/slides/slide11.xml><?xml version="1.0" encoding="utf-8"?>
+<p:sld xmlns:a="http://schemas.openxmlformats.org/drawingml/2006/main" xmlns:r="http://schemas.openxmlformats.org/officeDocument/2006/relationships" xmlns:p="http://schemas.openxmlformats.org/presentationml/2006/main">
+  <p:cSld>
+    <p:spTree>
+      <p:nvGrpSpPr>
+        <p:cNvPr id="1" name=""/>
+        <p:cNvGrpSpPr/>
+        <p:nvPr/>
+      </p:nvGrpSpPr>
+      <p:grpSpPr>
+        <a:xfrm>
+          <a:off x="0" y="0"/>
+          <a:ext cx="0" cy="0"/>
+          <a:chOff x="0" y="0"/>
+          <a:chExt cx="0" cy="0"/>
+        </a:xfrm>
+      </p:grpSpPr>
+      <p:pic>
+        <p:nvPicPr>
+          <p:cNvPr id="2" name="그림 1"/>
+          <p:cNvPicPr>
+            <a:picLocks noChangeAspect="1"/>
+          </p:cNvPicPr>
+          <p:nvPr/>
+        </p:nvPicPr>
+        <p:blipFill>
+          <a:blip r:embed="rId2">
+            <a:extLst>
+              <a:ext uri="{28A0092B-C50C-407E-A947-70E740481C1C}">
+                <a14:useLocalDpi xmlns:a14="http://schemas.microsoft.com/office/drawing/2010/main" val="0"/>
+              </a:ext>
+            </a:extLst>
+          </a:blip>
+          <a:stretch>
+            <a:fillRect/>
+          </a:stretch>
+        </p:blipFill>
+        <p:spPr>
+          <a:xfrm>
+            <a:off x="0" y="0"/>
+            <a:ext cx="12192000" cy="6858000"/>
+          </a:xfrm>
+          <a:prstGeom prst="rect">
+            <a:avLst/>
+          </a:prstGeom>
+        </p:spPr>
+      </p:pic>
+      <p:sp>
+        <p:nvSpPr>
+          <p:cNvPr id="3" name="제목 2"/>
+          <p:cNvSpPr>
+            <a:spLocks noGrp="1"/>
+          </p:cNvSpPr>
+          <p:nvPr>
+            <p:ph type="title"/>
+          </p:nvPr>
+        </p:nvSpPr>
+        <p:spPr>
+          <a:xfrm>
             <a:off x="595008" y="2766218"/>
             <a:ext cx="10515600" cy="1325563"/>
           </a:xfrm>
@@ -4824,15 +5124,7 @@
                   <a:schemeClr val="bg1"/>
                 </a:solidFill>
               </a:rPr>
-              <a:t>사이트 </a:t>
-            </a:r>
-            <a:r>
-              <a:rPr lang="ko-KR" altLang="en-US" sz="2400" dirty="0" smtClean="0">
-                <a:solidFill>
-                  <a:schemeClr val="bg1"/>
-                </a:solidFill>
-              </a:rPr>
-              <a:t>구현 </a:t>
+              <a:t>사이트 구현 </a:t>
             </a:r>
             <a:r>
               <a:rPr lang="en-US" altLang="ko-KR" sz="2400" dirty="0" smtClean="0">
@@ -5258,15 +5550,7 @@
                   <a:schemeClr val="bg1"/>
                 </a:solidFill>
               </a:rPr>
-              <a:t>사이트 </a:t>
-            </a:r>
-            <a:r>
-              <a:rPr lang="ko-KR" altLang="en-US" sz="2400" dirty="0" smtClean="0">
-                <a:solidFill>
-                  <a:schemeClr val="bg1"/>
-                </a:solidFill>
-              </a:rPr>
-              <a:t>구현 </a:t>
+              <a:t>사이트 구현 </a:t>
             </a:r>
             <a:r>
               <a:rPr lang="en-US" altLang="ko-KR" sz="2400" dirty="0" smtClean="0">
@@ -5609,15 +5893,7 @@
                   <a:schemeClr val="bg1"/>
                 </a:solidFill>
               </a:rPr>
-              <a:t>사이트 </a:t>
-            </a:r>
-            <a:r>
-              <a:rPr lang="ko-KR" altLang="en-US" sz="2400" dirty="0" smtClean="0">
-                <a:solidFill>
-                  <a:schemeClr val="bg1"/>
-                </a:solidFill>
-              </a:rPr>
-              <a:t>구현 </a:t>
+              <a:t>사이트 구현 </a:t>
             </a:r>
             <a:r>
               <a:rPr lang="en-US" altLang="ko-KR" sz="2400" dirty="0" smtClean="0">
@@ -6020,15 +6296,7 @@
                   <a:schemeClr val="bg1"/>
                 </a:solidFill>
               </a:rPr>
-              <a:t>사이트 </a:t>
-            </a:r>
-            <a:r>
-              <a:rPr lang="ko-KR" altLang="en-US" sz="2400" dirty="0" smtClean="0">
-                <a:solidFill>
-                  <a:schemeClr val="bg1"/>
-                </a:solidFill>
-              </a:rPr>
-              <a:t>구현 </a:t>
+              <a:t>사이트 구현 </a:t>
             </a:r>
             <a:r>
               <a:rPr lang="en-US" altLang="ko-KR" sz="2400" dirty="0" smtClean="0">
@@ -6036,31 +6304,23 @@
                   <a:schemeClr val="bg1"/>
                 </a:solidFill>
               </a:rPr>
-              <a:t>– </a:t>
-            </a:r>
-            <a:r>
-              <a:rPr lang="ko-KR" altLang="en-US" sz="2400" dirty="0" smtClean="0">
-                <a:solidFill>
-                  <a:schemeClr val="bg1"/>
-                </a:solidFill>
-              </a:rPr>
-              <a:t>추가 구현 예정 </a:t>
-            </a:r>
-            <a:r>
-              <a:rPr lang="en-US" altLang="ko-KR" sz="2400" dirty="0" smtClean="0">
-                <a:solidFill>
-                  <a:schemeClr val="bg1"/>
-                </a:solidFill>
-              </a:rPr>
-              <a:t>– </a:t>
-            </a:r>
-            <a:r>
-              <a:rPr lang="en-US" altLang="ko-KR" sz="2400" dirty="0" smtClean="0">
-                <a:solidFill>
-                  <a:schemeClr val="bg1"/>
-                </a:solidFill>
-              </a:rPr>
-              <a:t>API</a:t>
+              <a:t>-</a:t>
+            </a:r>
+            <a:r>
+              <a:rPr lang="ko-KR" altLang="en-US" sz="2400" dirty="0">
+                <a:solidFill>
+                  <a:schemeClr val="bg1"/>
+                </a:solidFill>
+              </a:rPr>
+              <a:t> </a:t>
+            </a:r>
+            <a:r>
+              <a:rPr lang="ko-KR" altLang="en-US" sz="2400" dirty="0" err="1" smtClean="0">
+                <a:solidFill>
+                  <a:schemeClr val="bg1"/>
+                </a:solidFill>
+              </a:rPr>
+              <a:t>미디어쿼리</a:t>
             </a:r>
             <a:endParaRPr lang="ko-KR" altLang="en-US" sz="2400" dirty="0">
               <a:solidFill>
@@ -6070,33 +6330,9 @@
           </a:p>
         </p:txBody>
       </p:sp>
-      <p:pic>
-        <p:nvPicPr>
-          <p:cNvPr id="7" name="그림 6"/>
-          <p:cNvPicPr>
-            <a:picLocks noChangeAspect="1"/>
-          </p:cNvPicPr>
-          <p:nvPr/>
-        </p:nvPicPr>
-        <p:blipFill>
-          <a:blip r:embed="rId3"/>
-          <a:stretch>
-            <a:fillRect/>
-          </a:stretch>
-        </p:blipFill>
-        <p:spPr>
-          <a:xfrm>
-            <a:off x="1163782" y="1357713"/>
-            <a:ext cx="5004262" cy="4478915"/>
-          </a:xfrm>
-          <a:prstGeom prst="rect">
-            <a:avLst/>
-          </a:prstGeom>
-        </p:spPr>
-      </p:pic>
-      <p:sp>
-        <p:nvSpPr>
-          <p:cNvPr id="13" name="제목 2"/>
+      <p:sp>
+        <p:nvSpPr>
+          <p:cNvPr id="5" name="제목 2"/>
           <p:cNvSpPr txBox="1">
             <a:spLocks/>
           </p:cNvSpPr>
@@ -6104,8 +6340,8 @@
         </p:nvSpPr>
         <p:spPr>
           <a:xfrm>
-            <a:off x="6708372" y="2648289"/>
-            <a:ext cx="3524596" cy="1561422"/>
+            <a:off x="9252065" y="1812542"/>
+            <a:ext cx="2610197" cy="3490978"/>
           </a:xfrm>
           <a:prstGeom prst="rect">
             <a:avLst/>
@@ -6141,44 +6377,12 @@
           </a:lstStyle>
           <a:p>
             <a:r>
-              <a:rPr lang="en-US" altLang="ko-KR" sz="1400" dirty="0" smtClean="0">
-                <a:solidFill>
-                  <a:schemeClr val="bg1"/>
-                </a:solidFill>
-              </a:rPr>
-              <a:t>Captcha API </a:t>
-            </a:r>
-            <a:r>
               <a:rPr lang="ko-KR" altLang="en-US" sz="1400" dirty="0" smtClean="0">
                 <a:solidFill>
                   <a:schemeClr val="bg1"/>
                 </a:solidFill>
               </a:rPr>
-              <a:t>추가하여 </a:t>
-            </a:r>
-            <a:r>
-              <a:rPr lang="ko-KR" altLang="en-US" sz="1400" dirty="0" err="1" smtClean="0">
-                <a:solidFill>
-                  <a:schemeClr val="bg1"/>
-                </a:solidFill>
-              </a:rPr>
-              <a:t>새로고침시</a:t>
-            </a:r>
-            <a:r>
-              <a:rPr lang="ko-KR" altLang="en-US" sz="1400" dirty="0" smtClean="0">
-                <a:solidFill>
-                  <a:schemeClr val="bg1"/>
-                </a:solidFill>
-              </a:rPr>
-              <a:t> 이미지 변경하게끔 설정 예정</a:t>
-            </a:r>
-            <a:r>
-              <a:rPr lang="en-US" altLang="ko-KR" sz="1400" dirty="0" smtClean="0">
-                <a:solidFill>
-                  <a:schemeClr val="bg1"/>
-                </a:solidFill>
-              </a:rPr>
-              <a:t> </a:t>
+              <a:t>폰 화면에서는 스크롤액션이 작동하지 않도록 설정</a:t>
             </a:r>
             <a:endParaRPr lang="ko-KR" altLang="en-US" sz="1400" dirty="0">
               <a:solidFill>
@@ -6188,46 +6392,158 @@
           </a:p>
         </p:txBody>
       </p:sp>
-      <p:cxnSp>
-        <p:nvCxnSpPr>
-          <p:cNvPr id="14" name="직선 화살표 연결선 13"/>
-          <p:cNvCxnSpPr/>
+      <p:grpSp>
+        <p:nvGrpSpPr>
+          <p:cNvPr id="17" name="그룹 16"/>
+          <p:cNvGrpSpPr/>
           <p:nvPr/>
-        </p:nvCxnSpPr>
-        <p:spPr>
-          <a:xfrm flipH="1">
-            <a:off x="5228705" y="3429000"/>
-            <a:ext cx="1479666" cy="511233"/>
-          </a:xfrm>
-          <a:prstGeom prst="straightConnector1">
-            <a:avLst/>
-          </a:prstGeom>
-          <a:ln>
-            <a:solidFill>
-              <a:srgbClr val="FF0000"/>
-            </a:solidFill>
-            <a:tailEnd type="triangle"/>
-          </a:ln>
-        </p:spPr>
-        <p:style>
-          <a:lnRef idx="1">
-            <a:schemeClr val="accent1"/>
-          </a:lnRef>
-          <a:fillRef idx="0">
-            <a:schemeClr val="accent1"/>
-          </a:fillRef>
-          <a:effectRef idx="0">
-            <a:schemeClr val="accent1"/>
-          </a:effectRef>
-          <a:fontRef idx="minor">
-            <a:schemeClr val="tx1"/>
-          </a:fontRef>
-        </p:style>
-      </p:cxnSp>
+        </p:nvGrpSpPr>
+        <p:grpSpPr>
+          <a:xfrm>
+            <a:off x="419727" y="1683327"/>
+            <a:ext cx="4099993" cy="3769237"/>
+            <a:chOff x="419727" y="1683327"/>
+            <a:chExt cx="4099993" cy="3769237"/>
+          </a:xfrm>
+        </p:grpSpPr>
+        <p:pic>
+          <p:nvPicPr>
+            <p:cNvPr id="7" name="그림 6"/>
+            <p:cNvPicPr>
+              <a:picLocks noChangeAspect="1"/>
+            </p:cNvPicPr>
+            <p:nvPr/>
+          </p:nvPicPr>
+          <p:blipFill>
+            <a:blip r:embed="rId3"/>
+            <a:stretch>
+              <a:fillRect/>
+            </a:stretch>
+          </p:blipFill>
+          <p:spPr>
+            <a:xfrm>
+              <a:off x="419727" y="1683327"/>
+              <a:ext cx="4099993" cy="3769237"/>
+            </a:xfrm>
+            <a:prstGeom prst="rect">
+              <a:avLst/>
+            </a:prstGeom>
+          </p:spPr>
+        </p:pic>
+        <p:cxnSp>
+          <p:nvCxnSpPr>
+            <p:cNvPr id="8" name="직선 연결선 7"/>
+            <p:cNvCxnSpPr/>
+            <p:nvPr/>
+          </p:nvCxnSpPr>
+          <p:spPr>
+            <a:xfrm>
+              <a:off x="577669" y="1812542"/>
+              <a:ext cx="2438400" cy="8312"/>
+            </a:xfrm>
+            <a:prstGeom prst="line">
+              <a:avLst/>
+            </a:prstGeom>
+            <a:ln>
+              <a:solidFill>
+                <a:srgbClr val="FF0000"/>
+              </a:solidFill>
+            </a:ln>
+          </p:spPr>
+          <p:style>
+            <a:lnRef idx="1">
+              <a:schemeClr val="accent1"/>
+            </a:lnRef>
+            <a:fillRef idx="0">
+              <a:schemeClr val="accent1"/>
+            </a:fillRef>
+            <a:effectRef idx="0">
+              <a:schemeClr val="accent1"/>
+            </a:effectRef>
+            <a:fontRef idx="minor">
+              <a:schemeClr val="tx1"/>
+            </a:fontRef>
+          </p:style>
+        </p:cxnSp>
+      </p:grpSp>
+      <p:grpSp>
+        <p:nvGrpSpPr>
+          <p:cNvPr id="16" name="그룹 15"/>
+          <p:cNvGrpSpPr/>
+          <p:nvPr/>
+        </p:nvGrpSpPr>
+        <p:grpSpPr>
+          <a:xfrm>
+            <a:off x="4779818" y="1683326"/>
+            <a:ext cx="3682538" cy="3769237"/>
+            <a:chOff x="5345084" y="2150919"/>
+            <a:chExt cx="2821045" cy="2971800"/>
+          </a:xfrm>
+        </p:grpSpPr>
+        <p:pic>
+          <p:nvPicPr>
+            <p:cNvPr id="14" name="그림 13"/>
+            <p:cNvPicPr>
+              <a:picLocks noChangeAspect="1"/>
+            </p:cNvPicPr>
+            <p:nvPr/>
+          </p:nvPicPr>
+          <p:blipFill>
+            <a:blip r:embed="rId4"/>
+            <a:stretch>
+              <a:fillRect/>
+            </a:stretch>
+          </p:blipFill>
+          <p:spPr>
+            <a:xfrm>
+              <a:off x="5345084" y="2150919"/>
+              <a:ext cx="2821045" cy="2971800"/>
+            </a:xfrm>
+            <a:prstGeom prst="rect">
+              <a:avLst/>
+            </a:prstGeom>
+          </p:spPr>
+        </p:pic>
+        <p:cxnSp>
+          <p:nvCxnSpPr>
+            <p:cNvPr id="15" name="직선 연결선 14"/>
+            <p:cNvCxnSpPr/>
+            <p:nvPr/>
+          </p:nvCxnSpPr>
+          <p:spPr>
+            <a:xfrm>
+              <a:off x="5345084" y="2247575"/>
+              <a:ext cx="2438400" cy="8312"/>
+            </a:xfrm>
+            <a:prstGeom prst="line">
+              <a:avLst/>
+            </a:prstGeom>
+            <a:ln>
+              <a:solidFill>
+                <a:srgbClr val="FF0000"/>
+              </a:solidFill>
+            </a:ln>
+          </p:spPr>
+          <p:style>
+            <a:lnRef idx="1">
+              <a:schemeClr val="accent1"/>
+            </a:lnRef>
+            <a:fillRef idx="0">
+              <a:schemeClr val="accent1"/>
+            </a:fillRef>
+            <a:effectRef idx="0">
+              <a:schemeClr val="accent1"/>
+            </a:effectRef>
+            <a:fontRef idx="minor">
+              <a:schemeClr val="tx1"/>
+            </a:fontRef>
+          </p:style>
+        </p:cxnSp>
+      </p:grpSp>
     </p:spTree>
     <p:extLst>
       <p:ext uri="{BB962C8B-B14F-4D97-AF65-F5344CB8AC3E}">
-        <p14:creationId xmlns:p14="http://schemas.microsoft.com/office/powerpoint/2010/main" val="2985505577"/>
+        <p14:creationId xmlns:p14="http://schemas.microsoft.com/office/powerpoint/2010/main" val="1877543012"/>
       </p:ext>
     </p:extLst>
   </p:cSld>
@@ -6304,7 +6620,7 @@
         <p:spPr>
           <a:xfrm>
             <a:off x="282632" y="164334"/>
-            <a:ext cx="8503921" cy="600437"/>
+            <a:ext cx="8071659" cy="600437"/>
           </a:xfrm>
         </p:spPr>
         <p:txBody>
@@ -6327,7 +6643,15 @@
                   <a:schemeClr val="bg1"/>
                 </a:solidFill>
               </a:rPr>
-              <a:t>사이트 </a:t>
+              <a:t>사이트 구현 </a:t>
+            </a:r>
+            <a:r>
+              <a:rPr lang="en-US" altLang="ko-KR" sz="2400" dirty="0" smtClean="0">
+                <a:solidFill>
+                  <a:schemeClr val="bg1"/>
+                </a:solidFill>
+              </a:rPr>
+              <a:t>– </a:t>
             </a:r>
             <a:r>
               <a:rPr lang="ko-KR" altLang="en-US" sz="2400" dirty="0" smtClean="0">
@@ -6335,7 +6659,7 @@
                   <a:schemeClr val="bg1"/>
                 </a:solidFill>
               </a:rPr>
-              <a:t>구현 </a:t>
+              <a:t>추가 구현 예정 </a:t>
             </a:r>
             <a:r>
               <a:rPr lang="en-US" altLang="ko-KR" sz="2400" dirty="0" smtClean="0">
@@ -6343,39 +6667,7 @@
                   <a:schemeClr val="bg1"/>
                 </a:solidFill>
               </a:rPr>
-              <a:t>– </a:t>
-            </a:r>
-            <a:r>
-              <a:rPr lang="ko-KR" altLang="en-US" sz="2400" dirty="0" smtClean="0">
-                <a:solidFill>
-                  <a:schemeClr val="bg1"/>
-                </a:solidFill>
-              </a:rPr>
-              <a:t>추가 구현 예정 </a:t>
-            </a:r>
-            <a:r>
-              <a:rPr lang="en-US" altLang="ko-KR" sz="2400" dirty="0" smtClean="0">
-                <a:solidFill>
-                  <a:schemeClr val="bg1"/>
-                </a:solidFill>
-              </a:rPr>
-              <a:t>– </a:t>
-            </a:r>
-            <a:r>
-              <a:rPr lang="ko-KR" altLang="en-US" sz="2400" dirty="0" smtClean="0">
-                <a:solidFill>
-                  <a:schemeClr val="bg1"/>
-                </a:solidFill>
-              </a:rPr>
-              <a:t>게시판 및 </a:t>
-            </a:r>
-            <a:r>
-              <a:rPr lang="ko-KR" altLang="en-US" sz="2400" dirty="0" err="1" smtClean="0">
-                <a:solidFill>
-                  <a:schemeClr val="bg1"/>
-                </a:solidFill>
-              </a:rPr>
-              <a:t>미디어쿼리</a:t>
+              <a:t>– API</a:t>
             </a:r>
             <a:endParaRPr lang="ko-KR" altLang="en-US" sz="2400" dirty="0">
               <a:solidFill>
@@ -6401,7 +6693,7 @@
         </p:blipFill>
         <p:spPr>
           <a:xfrm>
-            <a:off x="232758" y="1081387"/>
+            <a:off x="1163782" y="1357713"/>
             <a:ext cx="5004262" cy="4478915"/>
           </a:xfrm>
           <a:prstGeom prst="rect">
@@ -6419,8 +6711,8 @@
         </p:nvSpPr>
         <p:spPr>
           <a:xfrm>
-            <a:off x="6611391" y="3629191"/>
-            <a:ext cx="3524596" cy="1258693"/>
+            <a:off x="6708372" y="2648289"/>
+            <a:ext cx="3524596" cy="1561422"/>
           </a:xfrm>
           <a:prstGeom prst="rect">
             <a:avLst/>
@@ -6456,12 +6748,44 @@
           </a:lstStyle>
           <a:p>
             <a:r>
+              <a:rPr lang="en-US" altLang="ko-KR" sz="1400" dirty="0" smtClean="0">
+                <a:solidFill>
+                  <a:schemeClr val="bg1"/>
+                </a:solidFill>
+              </a:rPr>
+              <a:t>Captcha API </a:t>
+            </a:r>
+            <a:r>
               <a:rPr lang="ko-KR" altLang="en-US" sz="1400" dirty="0" smtClean="0">
                 <a:solidFill>
                   <a:schemeClr val="bg1"/>
                 </a:solidFill>
               </a:rPr>
-              <a:t>문의사항 작성시 게시판에 자동 글 작성 및 답변 유무 확인 가능</a:t>
+              <a:t>추가하여 </a:t>
+            </a:r>
+            <a:r>
+              <a:rPr lang="ko-KR" altLang="en-US" sz="1400" dirty="0" err="1" smtClean="0">
+                <a:solidFill>
+                  <a:schemeClr val="bg1"/>
+                </a:solidFill>
+              </a:rPr>
+              <a:t>새로고침시</a:t>
+            </a:r>
+            <a:r>
+              <a:rPr lang="ko-KR" altLang="en-US" sz="1400" dirty="0" smtClean="0">
+                <a:solidFill>
+                  <a:schemeClr val="bg1"/>
+                </a:solidFill>
+              </a:rPr>
+              <a:t> 이미지 변경하게끔 설정 예정</a:t>
+            </a:r>
+            <a:r>
+              <a:rPr lang="en-US" altLang="ko-KR" sz="1400" dirty="0" smtClean="0">
+                <a:solidFill>
+                  <a:schemeClr val="bg1"/>
+                </a:solidFill>
+              </a:rPr>
+              <a:t> </a:t>
             </a:r>
             <a:endParaRPr lang="ko-KR" altLang="en-US" sz="1400" dirty="0">
               <a:solidFill>
@@ -6473,21 +6797,21 @@
       </p:sp>
       <p:cxnSp>
         <p:nvCxnSpPr>
-          <p:cNvPr id="5" name="직선 화살표 연결선 4"/>
+          <p:cNvPr id="14" name="직선 화살표 연결선 13"/>
           <p:cNvCxnSpPr/>
           <p:nvPr/>
         </p:nvCxnSpPr>
         <p:spPr>
-          <a:xfrm flipV="1">
-            <a:off x="2128058" y="4638502"/>
-            <a:ext cx="3790604" cy="74815"/>
+          <a:xfrm flipH="1">
+            <a:off x="5228705" y="3429000"/>
+            <a:ext cx="1479666" cy="511233"/>
           </a:xfrm>
           <a:prstGeom prst="straightConnector1">
             <a:avLst/>
           </a:prstGeom>
           <a:ln>
             <a:solidFill>
-              <a:srgbClr val="BD1414"/>
+              <a:srgbClr val="FF0000"/>
             </a:solidFill>
             <a:tailEnd type="triangle"/>
           </a:ln>
@@ -6507,34 +6831,10 @@
           </a:fontRef>
         </p:style>
       </p:cxnSp>
-      <p:pic>
-        <p:nvPicPr>
-          <p:cNvPr id="9" name="그림 8"/>
-          <p:cNvPicPr>
-            <a:picLocks noChangeAspect="1"/>
-          </p:cNvPicPr>
-          <p:nvPr/>
-        </p:nvPicPr>
-        <p:blipFill>
-          <a:blip r:embed="rId4"/>
-          <a:stretch>
-            <a:fillRect/>
-          </a:stretch>
-        </p:blipFill>
-        <p:spPr>
-          <a:xfrm>
-            <a:off x="6003532" y="1496290"/>
-            <a:ext cx="4934276" cy="1646613"/>
-          </a:xfrm>
-          <a:prstGeom prst="rect">
-            <a:avLst/>
-          </a:prstGeom>
-        </p:spPr>
-      </p:pic>
     </p:spTree>
     <p:extLst>
       <p:ext uri="{BB962C8B-B14F-4D97-AF65-F5344CB8AC3E}">
-        <p14:creationId xmlns:p14="http://schemas.microsoft.com/office/powerpoint/2010/main" val="1343922484"/>
+        <p14:creationId xmlns:p14="http://schemas.microsoft.com/office/powerpoint/2010/main" val="2985505577"/>
       </p:ext>
     </p:extLst>
   </p:cSld>
